--- a/OnTestIsolation.pptx
+++ b/OnTestIsolation.pptx
@@ -25,7 +25,8 @@
     <p:sldId id="286" r:id="rId19"/>
     <p:sldId id="283" r:id="rId20"/>
     <p:sldId id="284" r:id="rId21"/>
-    <p:sldId id="264" r:id="rId22"/>
+    <p:sldId id="287" r:id="rId22"/>
+    <p:sldId id="264" r:id="rId23"/>
   </p:sldIdLst>
   <p:sldSz cx="12192000" cy="6858000"/>
   <p:notesSz cx="6858000" cy="9144000"/>
@@ -13830,7 +13831,7 @@
           <a:p>
             <a:fld id="{16B7F7DD-45BB-4493-8CC5-1954DE8DCD66}" type="datetimeFigureOut">
               <a:rPr lang="en-SI" smtClean="0"/>
-              <a:t>09/21/2024</a:t>
+              <a:t>23/09/2024</a:t>
             </a:fld>
             <a:endParaRPr lang="en-SI"/>
           </a:p>
@@ -14035,7 +14036,7 @@
           <a:p>
             <a:fld id="{16B7F7DD-45BB-4493-8CC5-1954DE8DCD66}" type="datetimeFigureOut">
               <a:rPr lang="en-SI" smtClean="0"/>
-              <a:t>09/21/2024</a:t>
+              <a:t>23/09/2024</a:t>
             </a:fld>
             <a:endParaRPr lang="en-SI"/>
           </a:p>
@@ -20273,11 +20274,11 @@
   <p:clrMapOvr>
     <a:masterClrMapping/>
   </p:clrMapOvr>
-  <mc:AlternateContent xmlns:mc="http://schemas.openxmlformats.org/markup-compatibility/2006">
-    <mc:Choice xmlns:p14="http://schemas.microsoft.com/office/powerpoint/2010/main" Requires="p14">
+  <mc:AlternateContent xmlns:mc="http://schemas.openxmlformats.org/markup-compatibility/2006" xmlns:p14="http://schemas.microsoft.com/office/powerpoint/2010/main">
+    <mc:Choice Requires="p14">
       <p:transition p14:dur="0"/>
     </mc:Choice>
-    <mc:Fallback>
+    <mc:Fallback xmlns="">
       <p:transition/>
     </mc:Fallback>
   </mc:AlternateContent>
@@ -20867,6 +20868,102 @@
 </file>
 
 <file path=ppt/slides/slide21.xml><?xml version="1.0" encoding="utf-8"?>
+<p:sld xmlns:a="http://schemas.openxmlformats.org/drawingml/2006/main" xmlns:r="http://schemas.openxmlformats.org/officeDocument/2006/relationships" xmlns:p="http://schemas.openxmlformats.org/presentationml/2006/main">
+  <p:cSld>
+    <p:spTree>
+      <p:nvGrpSpPr>
+        <p:cNvPr id="1" name=""/>
+        <p:cNvGrpSpPr/>
+        <p:nvPr/>
+      </p:nvGrpSpPr>
+      <p:grpSpPr>
+        <a:xfrm>
+          <a:off x="0" y="0"/>
+          <a:ext cx="0" cy="0"/>
+          <a:chOff x="0" y="0"/>
+          <a:chExt cx="0" cy="0"/>
+        </a:xfrm>
+      </p:grpSpPr>
+      <p:sp>
+        <p:nvSpPr>
+          <p:cNvPr id="2" name="Title 1">
+            <a:extLst>
+              <a:ext uri="{FF2B5EF4-FFF2-40B4-BE49-F238E27FC236}">
+                <a16:creationId xmlns:a16="http://schemas.microsoft.com/office/drawing/2014/main" id="{9580BF09-5DD3-2523-54E1-CC9E67C2B478}"/>
+              </a:ext>
+            </a:extLst>
+          </p:cNvPr>
+          <p:cNvSpPr>
+            <a:spLocks noGrp="1"/>
+          </p:cNvSpPr>
+          <p:nvPr>
+            <p:ph type="title"/>
+          </p:nvPr>
+        </p:nvSpPr>
+        <p:spPr/>
+        <p:txBody>
+          <a:bodyPr/>
+          <a:lstStyle/>
+          <a:p>
+            <a:r>
+              <a:rPr lang="en-US" dirty="0"/>
+              <a:t>Source</a:t>
+            </a:r>
+            <a:endParaRPr lang="en-SI" dirty="0"/>
+          </a:p>
+        </p:txBody>
+      </p:sp>
+      <p:sp>
+        <p:nvSpPr>
+          <p:cNvPr id="3" name="Text Placeholder 2">
+            <a:extLst>
+              <a:ext uri="{FF2B5EF4-FFF2-40B4-BE49-F238E27FC236}">
+                <a16:creationId xmlns:a16="http://schemas.microsoft.com/office/drawing/2014/main" id="{118B34F4-75C1-E689-ACC4-90696E7FD12C}"/>
+              </a:ext>
+            </a:extLst>
+          </p:cNvPr>
+          <p:cNvSpPr>
+            <a:spLocks noGrp="1"/>
+          </p:cNvSpPr>
+          <p:nvPr>
+            <p:ph type="body" sz="quarter" idx="10"/>
+          </p:nvPr>
+        </p:nvSpPr>
+        <p:spPr>
+          <a:xfrm>
+            <a:off x="584200" y="1435497"/>
+            <a:ext cx="11018520" cy="430887"/>
+          </a:xfrm>
+        </p:spPr>
+        <p:txBody>
+          <a:bodyPr/>
+          <a:lstStyle/>
+          <a:p>
+            <a:r>
+              <a:rPr lang="en-US"/>
+              <a:t>https://github.com/GoranSiska/OnTestIsolation/</a:t>
+            </a:r>
+            <a:endParaRPr lang="en-SI"/>
+          </a:p>
+        </p:txBody>
+      </p:sp>
+    </p:spTree>
+    <p:extLst>
+      <p:ext uri="{BB962C8B-B14F-4D97-AF65-F5344CB8AC3E}">
+        <p14:creationId xmlns:p14="http://schemas.microsoft.com/office/powerpoint/2010/main" val="581142530"/>
+      </p:ext>
+    </p:extLst>
+  </p:cSld>
+  <p:clrMapOvr>
+    <a:masterClrMapping/>
+  </p:clrMapOvr>
+  <p:transition>
+    <p:fade/>
+  </p:transition>
+</p:sld>
+</file>
+
+<file path=ppt/slides/slide22.xml><?xml version="1.0" encoding="utf-8"?>
 <p:sld xmlns:a="http://schemas.openxmlformats.org/drawingml/2006/main" xmlns:r="http://schemas.openxmlformats.org/officeDocument/2006/relationships" xmlns:p="http://schemas.openxmlformats.org/presentationml/2006/main">
   <p:cSld>
     <p:spTree>
